--- a/投影片/2..pptx
+++ b/投影片/2..pptx
@@ -13,10 +13,10 @@
     <p:sldId id="263" r:id="rId7"/>
     <p:sldId id="264" r:id="rId8"/>
     <p:sldId id="281" r:id="rId9"/>
-    <p:sldId id="282" r:id="rId10"/>
+    <p:sldId id="285" r:id="rId10"/>
     <p:sldId id="283" r:id="rId11"/>
-    <p:sldId id="285" r:id="rId12"/>
-    <p:sldId id="284" r:id="rId13"/>
+    <p:sldId id="284" r:id="rId12"/>
+    <p:sldId id="282" r:id="rId13"/>
     <p:sldId id="267" r:id="rId14"/>
     <p:sldId id="265" r:id="rId15"/>
     <p:sldId id="266" r:id="rId16"/>
@@ -173,7 +173,7 @@
           <a:p>
             <a:fld id="{31CDE89B-FBD9-4E23-BEEB-B0C8819124B3}" type="datetimeFigureOut">
               <a:rPr lang="zh-TW" altLang="en-US" smtClean="0"/>
-              <a:t>2022/2/14</a:t>
+              <a:t>2022/2/15</a:t>
             </a:fld>
             <a:endParaRPr lang="zh-TW" altLang="en-US"/>
           </a:p>
@@ -3044,7 +3044,7 @@
           <a:p>
             <a:fld id="{31CDE89B-FBD9-4E23-BEEB-B0C8819124B3}" type="datetimeFigureOut">
               <a:rPr lang="zh-TW" altLang="en-US" smtClean="0"/>
-              <a:t>2022/2/14</a:t>
+              <a:t>2022/2/15</a:t>
             </a:fld>
             <a:endParaRPr lang="zh-TW" altLang="en-US"/>
           </a:p>
@@ -3236,7 +3236,7 @@
           <a:p>
             <a:fld id="{31CDE89B-FBD9-4E23-BEEB-B0C8819124B3}" type="datetimeFigureOut">
               <a:rPr lang="zh-TW" altLang="en-US" smtClean="0"/>
-              <a:t>2022/2/14</a:t>
+              <a:t>2022/2/15</a:t>
             </a:fld>
             <a:endParaRPr lang="zh-TW" altLang="en-US"/>
           </a:p>
@@ -3432,7 +3432,7 @@
           <a:p>
             <a:fld id="{31CDE89B-FBD9-4E23-BEEB-B0C8819124B3}" type="datetimeFigureOut">
               <a:rPr lang="zh-TW" altLang="en-US" smtClean="0"/>
-              <a:t>2022/2/14</a:t>
+              <a:t>2022/2/15</a:t>
             </a:fld>
             <a:endParaRPr lang="zh-TW" altLang="en-US"/>
           </a:p>
@@ -4528,7 +4528,7 @@
           <a:p>
             <a:fld id="{31CDE89B-FBD9-4E23-BEEB-B0C8819124B3}" type="datetimeFigureOut">
               <a:rPr lang="zh-TW" altLang="en-US" smtClean="0"/>
-              <a:t>2022/2/14</a:t>
+              <a:t>2022/2/15</a:t>
             </a:fld>
             <a:endParaRPr lang="zh-TW" altLang="en-US"/>
           </a:p>
@@ -4777,7 +4777,7 @@
           <a:p>
             <a:fld id="{31CDE89B-FBD9-4E23-BEEB-B0C8819124B3}" type="datetimeFigureOut">
               <a:rPr lang="zh-TW" altLang="en-US" smtClean="0"/>
-              <a:t>2022/2/14</a:t>
+              <a:t>2022/2/15</a:t>
             </a:fld>
             <a:endParaRPr lang="zh-TW" altLang="en-US"/>
           </a:p>
@@ -5156,7 +5156,7 @@
           <a:p>
             <a:fld id="{31CDE89B-FBD9-4E23-BEEB-B0C8819124B3}" type="datetimeFigureOut">
               <a:rPr lang="zh-TW" altLang="en-US" smtClean="0"/>
-              <a:t>2022/2/14</a:t>
+              <a:t>2022/2/15</a:t>
             </a:fld>
             <a:endParaRPr lang="zh-TW" altLang="en-US"/>
           </a:p>
@@ -5286,7 +5286,7 @@
           <a:p>
             <a:fld id="{31CDE89B-FBD9-4E23-BEEB-B0C8819124B3}" type="datetimeFigureOut">
               <a:rPr lang="zh-TW" altLang="en-US" smtClean="0"/>
-              <a:t>2022/2/14</a:t>
+              <a:t>2022/2/15</a:t>
             </a:fld>
             <a:endParaRPr lang="zh-TW" altLang="en-US"/>
           </a:p>
@@ -5393,7 +5393,7 @@
           <a:p>
             <a:fld id="{31CDE89B-FBD9-4E23-BEEB-B0C8819124B3}" type="datetimeFigureOut">
               <a:rPr lang="zh-TW" altLang="en-US" smtClean="0"/>
-              <a:t>2022/2/14</a:t>
+              <a:t>2022/2/15</a:t>
             </a:fld>
             <a:endParaRPr lang="zh-TW" altLang="en-US"/>
           </a:p>
@@ -5682,7 +5682,7 @@
           <a:p>
             <a:fld id="{31CDE89B-FBD9-4E23-BEEB-B0C8819124B3}" type="datetimeFigureOut">
               <a:rPr lang="zh-TW" altLang="en-US" smtClean="0"/>
-              <a:t>2022/2/14</a:t>
+              <a:t>2022/2/15</a:t>
             </a:fld>
             <a:endParaRPr lang="zh-TW" altLang="en-US"/>
           </a:p>
@@ -5947,7 +5947,7 @@
           <a:p>
             <a:fld id="{31CDE89B-FBD9-4E23-BEEB-B0C8819124B3}" type="datetimeFigureOut">
               <a:rPr lang="zh-TW" altLang="en-US" smtClean="0"/>
-              <a:t>2022/2/14</a:t>
+              <a:t>2022/2/15</a:t>
             </a:fld>
             <a:endParaRPr lang="zh-TW" altLang="en-US"/>
           </a:p>
@@ -6172,7 +6172,7 @@
           <a:p>
             <a:fld id="{31CDE89B-FBD9-4E23-BEEB-B0C8819124B3}" type="datetimeFigureOut">
               <a:rPr lang="zh-TW" altLang="en-US" smtClean="0"/>
-              <a:t>2022/2/14</a:t>
+              <a:t>2022/2/15</a:t>
             </a:fld>
             <a:endParaRPr lang="zh-TW" altLang="en-US"/>
           </a:p>
@@ -6711,42 +6711,67 @@
           <a:lstStyle/>
           <a:p>
             <a:r>
-              <a:rPr lang="zh-TW" altLang="en-US" dirty="0" smtClean="0"/>
-              <a:t>練習</a:t>
-            </a:r>
-            <a:r>
-              <a:rPr lang="zh-TW" altLang="en-US" dirty="0"/>
-              <a:t>每個</a:t>
-            </a:r>
-            <a:r>
-              <a:rPr lang="zh-TW" altLang="en-US" dirty="0" smtClean="0"/>
-              <a:t>逐一測試</a:t>
-            </a:r>
-            <a:endParaRPr lang="zh-TW" altLang="en-US" dirty="0"/>
-          </a:p>
-        </p:txBody>
-      </p:sp>
-      <p:sp>
-        <p:nvSpPr>
-          <p:cNvPr id="3" name="內容版面配置區 2"/>
-          <p:cNvSpPr>
-            <a:spLocks noGrp="1"/>
-          </p:cNvSpPr>
-          <p:nvPr>
-            <p:ph idx="1"/>
-          </p:nvPr>
-        </p:nvSpPr>
-        <p:spPr/>
-        <p:txBody>
-          <a:bodyPr/>
-          <a:lstStyle/>
-          <a:p>
-            <a:r>
               <a:rPr lang="en-US" altLang="zh-TW" dirty="0" err="1"/>
               <a:t>HyperLink</a:t>
             </a:r>
-            <a:r>
-              <a:rPr lang="en-US" altLang="zh-TW" dirty="0"/>
+            <a:endParaRPr lang="zh-TW" altLang="en-US" dirty="0"/>
+          </a:p>
+        </p:txBody>
+      </p:sp>
+      <p:sp>
+        <p:nvSpPr>
+          <p:cNvPr id="3" name="內容版面配置區 2"/>
+          <p:cNvSpPr>
+            <a:spLocks noGrp="1"/>
+          </p:cNvSpPr>
+          <p:nvPr>
+            <p:ph idx="1"/>
+          </p:nvPr>
+        </p:nvSpPr>
+        <p:spPr/>
+        <p:txBody>
+          <a:bodyPr/>
+          <a:lstStyle/>
+          <a:p>
+            <a:r>
+              <a:rPr lang="en-US" altLang="zh-TW" dirty="0" err="1" smtClean="0"/>
+              <a:t>HyperLink</a:t>
+            </a:r>
+            <a:endParaRPr lang="en-US" altLang="zh-TW" dirty="0" smtClean="0"/>
+          </a:p>
+          <a:p>
+            <a:pPr lvl="1"/>
+            <a:r>
+              <a:rPr lang="en-US" altLang="zh-TW" dirty="0" err="1" smtClean="0"/>
+              <a:t>NavigateUrl</a:t>
+            </a:r>
+            <a:endParaRPr lang="en-US" altLang="zh-TW" dirty="0" smtClean="0"/>
+          </a:p>
+          <a:p>
+            <a:pPr lvl="1"/>
+            <a:r>
+              <a:rPr lang="en-US" altLang="zh-TW" dirty="0" smtClean="0"/>
+              <a:t>Text</a:t>
+            </a:r>
+          </a:p>
+          <a:p>
+            <a:pPr lvl="1"/>
+            <a:r>
+              <a:rPr lang="en-US" altLang="zh-TW" dirty="0" err="1" smtClean="0"/>
+              <a:t>ImageUrl</a:t>
+            </a:r>
+            <a:endParaRPr lang="en-US" altLang="zh-TW" dirty="0"/>
+          </a:p>
+          <a:p>
+            <a:endParaRPr lang="en-US" altLang="zh-TW" dirty="0" smtClean="0"/>
+          </a:p>
+          <a:p>
+            <a:r>
+              <a:rPr lang="en-US" altLang="zh-TW" dirty="0" err="1" smtClean="0"/>
+              <a:t>HyperLink</a:t>
+            </a:r>
+            <a:r>
+              <a:rPr lang="zh-TW" altLang="en-US" dirty="0" smtClean="0"/>
               <a:t> </a:t>
             </a:r>
             <a:r>
@@ -6754,9 +6779,12 @@
               <a:t>vs </a:t>
             </a:r>
             <a:r>
-              <a:rPr lang="en-US" altLang="zh-TW" dirty="0" err="1" smtClean="0"/>
+              <a:rPr lang="en-US" altLang="zh-TW" dirty="0" err="1"/>
               <a:t>LinkButton</a:t>
             </a:r>
+            <a:endParaRPr lang="en-US" altLang="zh-TW" dirty="0"/>
+          </a:p>
+          <a:p>
             <a:endParaRPr lang="en-US" altLang="zh-TW" dirty="0" smtClean="0"/>
           </a:p>
         </p:txBody>
@@ -6819,9 +6847,26 @@
           <a:lstStyle/>
           <a:p>
             <a:r>
-              <a:rPr lang="zh-TW" altLang="en-US" dirty="0"/>
-              <a:t>練習每個逐一測試</a:t>
-            </a:r>
+              <a:rPr lang="en-US" altLang="zh-TW" dirty="0"/>
+              <a:t>Dropdown </a:t>
+            </a:r>
+            <a:r>
+              <a:rPr lang="en-US" altLang="zh-TW" dirty="0" smtClean="0"/>
+              <a:t>List </a:t>
+            </a:r>
+            <a:r>
+              <a:rPr lang="zh-TW" altLang="en-US" dirty="0" smtClean="0"/>
+              <a:t>與 </a:t>
+            </a:r>
+            <a:r>
+              <a:rPr lang="en-US" altLang="zh-TW" dirty="0" err="1" smtClean="0"/>
+              <a:t>ListItem</a:t>
+            </a:r>
+            <a:r>
+              <a:rPr lang="zh-TW" altLang="en-US" dirty="0" smtClean="0"/>
+              <a:t> 常用屬性</a:t>
+            </a:r>
+            <a:endParaRPr lang="en-US" altLang="zh-TW" dirty="0"/>
           </a:p>
         </p:txBody>
       </p:sp>
@@ -6841,27 +6886,63 @@
           <a:lstStyle/>
           <a:p>
             <a:r>
+              <a:rPr lang="en-US" altLang="zh-TW" dirty="0"/>
+              <a:t>Dropdown </a:t>
+            </a:r>
+            <a:r>
+              <a:rPr lang="en-US" altLang="zh-TW" dirty="0" smtClean="0"/>
+              <a:t>List</a:t>
+            </a:r>
+          </a:p>
+          <a:p>
+            <a:pPr lvl="1"/>
+            <a:r>
+              <a:rPr lang="en-US" altLang="zh-TW" dirty="0" smtClean="0"/>
+              <a:t>Items</a:t>
+            </a:r>
+          </a:p>
+          <a:p>
+            <a:pPr lvl="1"/>
+            <a:endParaRPr lang="en-US" altLang="zh-TW" dirty="0"/>
+          </a:p>
+          <a:p>
+            <a:r>
               <a:rPr lang="en-US" altLang="zh-TW" dirty="0" err="1" smtClean="0"/>
-              <a:t>CheckBox</a:t>
+              <a:t>ListItem</a:t>
             </a:r>
             <a:endParaRPr lang="en-US" altLang="zh-TW" dirty="0" smtClean="0"/>
           </a:p>
           <a:p>
-            <a:r>
-              <a:rPr lang="en-US" altLang="zh-TW" dirty="0" err="1"/>
-              <a:t>RadioButton</a:t>
-            </a:r>
+            <a:pPr lvl="1"/>
+            <a:r>
+              <a:rPr lang="en-US" altLang="zh-TW" dirty="0" smtClean="0"/>
+              <a:t>Selected</a:t>
+            </a:r>
+          </a:p>
+          <a:p>
+            <a:pPr lvl="1"/>
+            <a:r>
+              <a:rPr lang="en-US" altLang="zh-TW" dirty="0" smtClean="0"/>
+              <a:t>Value</a:t>
+            </a:r>
+          </a:p>
+          <a:p>
+            <a:pPr lvl="1"/>
+            <a:r>
+              <a:rPr lang="en-US" altLang="zh-TW" dirty="0" smtClean="0"/>
+              <a:t>Text</a:t>
+            </a:r>
+          </a:p>
+          <a:p>
+            <a:pPr lvl="1"/>
             <a:endParaRPr lang="en-US" altLang="zh-TW" dirty="0" smtClean="0"/>
-          </a:p>
-          <a:p>
-            <a:endParaRPr lang="zh-TW" altLang="en-US" dirty="0"/>
           </a:p>
         </p:txBody>
       </p:sp>
     </p:spTree>
     <p:extLst>
       <p:ext uri="{BB962C8B-B14F-4D97-AF65-F5344CB8AC3E}">
-        <p14:creationId xmlns:p14="http://schemas.microsoft.com/office/powerpoint/2010/main" val="468682856"/>
+        <p14:creationId xmlns:p14="http://schemas.microsoft.com/office/powerpoint/2010/main" val="2003562246"/>
       </p:ext>
     </p:extLst>
   </p:cSld>
@@ -6916,9 +6997,26 @@
           <a:lstStyle/>
           <a:p>
             <a:r>
+              <a:rPr lang="en-US" altLang="zh-TW" dirty="0"/>
+              <a:t>Label </a:t>
+            </a:r>
+            <a:r>
               <a:rPr lang="zh-TW" altLang="en-US" dirty="0"/>
-              <a:t>練習每個逐一測試</a:t>
-            </a:r>
+              <a:t>與 </a:t>
+            </a:r>
+            <a:r>
+              <a:rPr lang="en-US" altLang="zh-TW" dirty="0" smtClean="0"/>
+              <a:t>Literal</a:t>
+            </a:r>
+            <a:r>
+              <a:rPr lang="zh-TW" altLang="en-US" dirty="0"/>
+              <a:t>常用</a:t>
+            </a:r>
+            <a:r>
+              <a:rPr lang="zh-TW" altLang="en-US" dirty="0" smtClean="0"/>
+              <a:t>屬性</a:t>
+            </a:r>
+            <a:endParaRPr lang="zh-TW" altLang="en-US" dirty="0"/>
           </a:p>
         </p:txBody>
       </p:sp>
@@ -6938,17 +7036,31 @@
           <a:lstStyle/>
           <a:p>
             <a:r>
+              <a:rPr lang="en-US" altLang="zh-TW" dirty="0" smtClean="0"/>
+              <a:t>Label</a:t>
+            </a:r>
+            <a:r>
+              <a:rPr lang="zh-TW" altLang="en-US" dirty="0" smtClean="0"/>
+              <a:t>、</a:t>
+            </a:r>
+            <a:r>
+              <a:rPr lang="en-US" altLang="zh-TW" dirty="0" smtClean="0"/>
+              <a:t>Literal</a:t>
+            </a:r>
+          </a:p>
+          <a:p>
+            <a:pPr lvl="1"/>
+            <a:r>
               <a:rPr lang="en-US" altLang="zh-TW" dirty="0"/>
-              <a:t>Dropdown List</a:t>
-            </a:r>
-            <a:endParaRPr lang="zh-TW" altLang="en-US" dirty="0"/>
+              <a:t>Text</a:t>
+            </a:r>
           </a:p>
         </p:txBody>
       </p:sp>
     </p:spTree>
     <p:extLst>
       <p:ext uri="{BB962C8B-B14F-4D97-AF65-F5344CB8AC3E}">
-        <p14:creationId xmlns:p14="http://schemas.microsoft.com/office/powerpoint/2010/main" val="2003562246"/>
+        <p14:creationId xmlns:p14="http://schemas.microsoft.com/office/powerpoint/2010/main" val="3324135888"/>
       </p:ext>
     </p:extLst>
   </p:cSld>
@@ -7026,6 +7138,972 @@
           <a:lstStyle/>
           <a:p>
             <a:endParaRPr lang="zh-TW" altLang="en-US" dirty="0"/>
+          </a:p>
+        </p:txBody>
+      </p:sp>
+      <p:sp>
+        <p:nvSpPr>
+          <p:cNvPr id="4" name="圓角矩形 3"/>
+          <p:cNvSpPr/>
+          <p:nvPr/>
+        </p:nvSpPr>
+        <p:spPr>
+          <a:xfrm>
+            <a:off x="290771" y="2675914"/>
+            <a:ext cx="3270325" cy="1957892"/>
+          </a:xfrm>
+          <a:prstGeom prst="roundRect">
+            <a:avLst/>
+          </a:prstGeom>
+          <a:ln/>
+        </p:spPr>
+        <p:style>
+          <a:lnRef idx="2">
+            <a:schemeClr val="accent1"/>
+          </a:lnRef>
+          <a:fillRef idx="1">
+            <a:schemeClr val="lt1"/>
+          </a:fillRef>
+          <a:effectRef idx="0">
+            <a:schemeClr val="accent1"/>
+          </a:effectRef>
+          <a:fontRef idx="minor">
+            <a:schemeClr val="dk1"/>
+          </a:fontRef>
+        </p:style>
+        <p:txBody>
+          <a:bodyPr rtlCol="0" anchor="t"/>
+          <a:lstStyle/>
+          <a:p>
+            <a:pPr algn="ctr"/>
+            <a:r>
+              <a:rPr lang="en-US" altLang="zh-TW" sz="2400" dirty="0"/>
+              <a:t>Client</a:t>
+            </a:r>
+            <a:endParaRPr lang="zh-TW" altLang="en-US" sz="2400" dirty="0"/>
+          </a:p>
+        </p:txBody>
+      </p:sp>
+      <p:sp>
+        <p:nvSpPr>
+          <p:cNvPr id="5" name="雲朵形 4"/>
+          <p:cNvSpPr/>
+          <p:nvPr/>
+        </p:nvSpPr>
+        <p:spPr>
+          <a:xfrm>
+            <a:off x="4335748" y="2434490"/>
+            <a:ext cx="3450571" cy="2342061"/>
+          </a:xfrm>
+          <a:prstGeom prst="cloud">
+            <a:avLst/>
+          </a:prstGeom>
+        </p:spPr>
+        <p:style>
+          <a:lnRef idx="2">
+            <a:schemeClr val="accent6"/>
+          </a:lnRef>
+          <a:fillRef idx="1">
+            <a:schemeClr val="lt1"/>
+          </a:fillRef>
+          <a:effectRef idx="0">
+            <a:schemeClr val="accent6"/>
+          </a:effectRef>
+          <a:fontRef idx="minor">
+            <a:schemeClr val="dk1"/>
+          </a:fontRef>
+        </p:style>
+        <p:txBody>
+          <a:bodyPr rtlCol="0" anchor="t"/>
+          <a:lstStyle/>
+          <a:p>
+            <a:pPr algn="ctr"/>
+            <a:r>
+              <a:rPr lang="en-US" altLang="zh-TW" dirty="0" smtClean="0"/>
+              <a:t>internet</a:t>
+            </a:r>
+            <a:endParaRPr lang="zh-TW" altLang="en-US" dirty="0"/>
+          </a:p>
+        </p:txBody>
+      </p:sp>
+      <p:sp>
+        <p:nvSpPr>
+          <p:cNvPr id="6" name="圓角矩形 5"/>
+          <p:cNvSpPr/>
+          <p:nvPr/>
+        </p:nvSpPr>
+        <p:spPr>
+          <a:xfrm>
+            <a:off x="8426237" y="2729702"/>
+            <a:ext cx="3270325" cy="1957892"/>
+          </a:xfrm>
+          <a:prstGeom prst="roundRect">
+            <a:avLst/>
+          </a:prstGeom>
+        </p:spPr>
+        <p:style>
+          <a:lnRef idx="2">
+            <a:schemeClr val="accent4"/>
+          </a:lnRef>
+          <a:fillRef idx="1">
+            <a:schemeClr val="lt1"/>
+          </a:fillRef>
+          <a:effectRef idx="0">
+            <a:schemeClr val="accent4"/>
+          </a:effectRef>
+          <a:fontRef idx="minor">
+            <a:schemeClr val="dk1"/>
+          </a:fontRef>
+        </p:style>
+        <p:txBody>
+          <a:bodyPr rtlCol="0" anchor="t"/>
+          <a:lstStyle/>
+          <a:p>
+            <a:pPr algn="ctr"/>
+            <a:r>
+              <a:rPr lang="en-US" altLang="zh-TW" sz="2400" dirty="0"/>
+              <a:t>Server</a:t>
+            </a:r>
+            <a:endParaRPr lang="zh-TW" altLang="en-US" sz="2400" dirty="0"/>
+          </a:p>
+        </p:txBody>
+      </p:sp>
+      <p:grpSp>
+        <p:nvGrpSpPr>
+          <p:cNvPr id="7" name="群組 6"/>
+          <p:cNvGrpSpPr/>
+          <p:nvPr/>
+        </p:nvGrpSpPr>
+        <p:grpSpPr>
+          <a:xfrm>
+            <a:off x="2015618" y="3433589"/>
+            <a:ext cx="1121036" cy="644525"/>
+            <a:chOff x="5921114" y="346075"/>
+            <a:chExt cx="1121036" cy="644525"/>
+          </a:xfrm>
+        </p:grpSpPr>
+        <p:sp>
+          <p:nvSpPr>
+            <p:cNvPr id="8" name="矩形 7"/>
+            <p:cNvSpPr/>
+            <p:nvPr/>
+          </p:nvSpPr>
+          <p:spPr>
+            <a:xfrm>
+              <a:off x="5921114" y="346075"/>
+              <a:ext cx="1121036" cy="644525"/>
+            </a:xfrm>
+            <a:prstGeom prst="rect">
+              <a:avLst/>
+            </a:prstGeom>
+          </p:spPr>
+          <p:style>
+            <a:lnRef idx="2">
+              <a:schemeClr val="dk1"/>
+            </a:lnRef>
+            <a:fillRef idx="1">
+              <a:schemeClr val="lt1"/>
+            </a:fillRef>
+            <a:effectRef idx="0">
+              <a:schemeClr val="dk1"/>
+            </a:effectRef>
+            <a:fontRef idx="minor">
+              <a:schemeClr val="dk1"/>
+            </a:fontRef>
+          </p:style>
+          <p:txBody>
+            <a:bodyPr rtlCol="0" anchor="ctr"/>
+            <a:lstStyle/>
+            <a:p>
+              <a:pPr algn="ctr"/>
+              <a:endParaRPr lang="zh-TW" altLang="en-US"/>
+            </a:p>
+          </p:txBody>
+        </p:sp>
+        <p:sp>
+          <p:nvSpPr>
+            <p:cNvPr id="9" name="矩形 8"/>
+            <p:cNvSpPr/>
+            <p:nvPr/>
+          </p:nvSpPr>
+          <p:spPr>
+            <a:xfrm>
+              <a:off x="5970253" y="390187"/>
+              <a:ext cx="1028252" cy="571370"/>
+            </a:xfrm>
+            <a:prstGeom prst="rect">
+              <a:avLst/>
+            </a:prstGeom>
+          </p:spPr>
+          <p:style>
+            <a:lnRef idx="2">
+              <a:schemeClr val="dk1"/>
+            </a:lnRef>
+            <a:fillRef idx="1">
+              <a:schemeClr val="lt1"/>
+            </a:fillRef>
+            <a:effectRef idx="0">
+              <a:schemeClr val="dk1"/>
+            </a:effectRef>
+            <a:fontRef idx="minor">
+              <a:schemeClr val="dk1"/>
+            </a:fontRef>
+          </p:style>
+          <p:txBody>
+            <a:bodyPr rtlCol="0" anchor="ctr"/>
+            <a:lstStyle/>
+            <a:p>
+              <a:pPr algn="ctr"/>
+              <a:r>
+                <a:rPr lang="en-US" altLang="zh-TW" dirty="0" smtClean="0">
+                  <a:solidFill>
+                    <a:schemeClr val="tx1"/>
+                  </a:solidFill>
+                </a:rPr>
+                <a:t>Browser</a:t>
+              </a:r>
+              <a:endParaRPr lang="zh-TW" altLang="en-US" dirty="0">
+                <a:solidFill>
+                  <a:schemeClr val="tx1"/>
+                </a:solidFill>
+              </a:endParaRPr>
+            </a:p>
+          </p:txBody>
+        </p:sp>
+      </p:grpSp>
+      <p:sp>
+        <p:nvSpPr>
+          <p:cNvPr id="10" name="向右箭號 9"/>
+          <p:cNvSpPr/>
+          <p:nvPr/>
+        </p:nvSpPr>
+        <p:spPr>
+          <a:xfrm>
+            <a:off x="3668557" y="3344294"/>
+            <a:ext cx="4721859" cy="403543"/>
+          </a:xfrm>
+          <a:prstGeom prst="rightArrow">
+            <a:avLst/>
+          </a:prstGeom>
+        </p:spPr>
+        <p:style>
+          <a:lnRef idx="2">
+            <a:schemeClr val="accent2">
+              <a:shade val="50000"/>
+            </a:schemeClr>
+          </a:lnRef>
+          <a:fillRef idx="1">
+            <a:schemeClr val="accent2"/>
+          </a:fillRef>
+          <a:effectRef idx="0">
+            <a:schemeClr val="accent2"/>
+          </a:effectRef>
+          <a:fontRef idx="minor">
+            <a:schemeClr val="lt1"/>
+          </a:fontRef>
+        </p:style>
+        <p:txBody>
+          <a:bodyPr rtlCol="0" anchor="ctr"/>
+          <a:lstStyle/>
+          <a:p>
+            <a:pPr algn="ctr"/>
+            <a:r>
+              <a:rPr lang="en-US" altLang="zh-TW" dirty="0" smtClean="0"/>
+              <a:t>Request</a:t>
+            </a:r>
+            <a:endParaRPr lang="zh-TW" altLang="en-US" dirty="0"/>
+          </a:p>
+        </p:txBody>
+      </p:sp>
+      <p:sp>
+        <p:nvSpPr>
+          <p:cNvPr id="11" name="向左箭號 10"/>
+          <p:cNvSpPr/>
+          <p:nvPr/>
+        </p:nvSpPr>
+        <p:spPr>
+          <a:xfrm>
+            <a:off x="3632737" y="3755852"/>
+            <a:ext cx="4721859" cy="442539"/>
+          </a:xfrm>
+          <a:prstGeom prst="leftArrow">
+            <a:avLst/>
+          </a:prstGeom>
+        </p:spPr>
+        <p:style>
+          <a:lnRef idx="2">
+            <a:schemeClr val="accent1">
+              <a:shade val="50000"/>
+            </a:schemeClr>
+          </a:lnRef>
+          <a:fillRef idx="1">
+            <a:schemeClr val="accent1"/>
+          </a:fillRef>
+          <a:effectRef idx="0">
+            <a:schemeClr val="accent1"/>
+          </a:effectRef>
+          <a:fontRef idx="minor">
+            <a:schemeClr val="lt1"/>
+          </a:fontRef>
+        </p:style>
+        <p:txBody>
+          <a:bodyPr rtlCol="0" anchor="ctr"/>
+          <a:lstStyle/>
+          <a:p>
+            <a:pPr algn="ctr"/>
+            <a:r>
+              <a:rPr lang="en-US" altLang="zh-TW" dirty="0" smtClean="0"/>
+              <a:t>Response</a:t>
+            </a:r>
+            <a:endParaRPr lang="zh-TW" altLang="en-US" dirty="0"/>
+          </a:p>
+        </p:txBody>
+      </p:sp>
+      <p:grpSp>
+        <p:nvGrpSpPr>
+          <p:cNvPr id="12" name="群組 11"/>
+          <p:cNvGrpSpPr/>
+          <p:nvPr/>
+        </p:nvGrpSpPr>
+        <p:grpSpPr>
+          <a:xfrm>
+            <a:off x="659156" y="3351248"/>
+            <a:ext cx="436059" cy="714799"/>
+            <a:chOff x="5175470" y="6037448"/>
+            <a:chExt cx="436059" cy="714799"/>
+          </a:xfrm>
+        </p:grpSpPr>
+        <p:sp>
+          <p:nvSpPr>
+            <p:cNvPr id="13" name="橢圓 12"/>
+            <p:cNvSpPr/>
+            <p:nvPr/>
+          </p:nvSpPr>
+          <p:spPr>
+            <a:xfrm>
+              <a:off x="5253312" y="6037448"/>
+              <a:ext cx="280374" cy="238672"/>
+            </a:xfrm>
+            <a:prstGeom prst="ellipse">
+              <a:avLst/>
+            </a:prstGeom>
+          </p:spPr>
+          <p:style>
+            <a:lnRef idx="2">
+              <a:schemeClr val="dk1"/>
+            </a:lnRef>
+            <a:fillRef idx="1">
+              <a:schemeClr val="lt1"/>
+            </a:fillRef>
+            <a:effectRef idx="0">
+              <a:schemeClr val="dk1"/>
+            </a:effectRef>
+            <a:fontRef idx="minor">
+              <a:schemeClr val="dk1"/>
+            </a:fontRef>
+          </p:style>
+          <p:txBody>
+            <a:bodyPr rtlCol="0" anchor="ctr"/>
+            <a:lstStyle/>
+            <a:p>
+              <a:pPr algn="ctr"/>
+              <a:endParaRPr lang="zh-TW" altLang="en-US"/>
+            </a:p>
+          </p:txBody>
+        </p:sp>
+        <p:sp>
+          <p:nvSpPr>
+            <p:cNvPr id="14" name="圓角矩形 13"/>
+            <p:cNvSpPr/>
+            <p:nvPr/>
+          </p:nvSpPr>
+          <p:spPr>
+            <a:xfrm>
+              <a:off x="5175470" y="6291721"/>
+              <a:ext cx="436059" cy="460526"/>
+            </a:xfrm>
+            <a:prstGeom prst="roundRect">
+              <a:avLst/>
+            </a:prstGeom>
+          </p:spPr>
+          <p:style>
+            <a:lnRef idx="2">
+              <a:schemeClr val="dk1"/>
+            </a:lnRef>
+            <a:fillRef idx="1">
+              <a:schemeClr val="lt1"/>
+            </a:fillRef>
+            <a:effectRef idx="0">
+              <a:schemeClr val="dk1"/>
+            </a:effectRef>
+            <a:fontRef idx="minor">
+              <a:schemeClr val="dk1"/>
+            </a:fontRef>
+          </p:style>
+          <p:txBody>
+            <a:bodyPr rtlCol="0" anchor="ctr"/>
+            <a:lstStyle/>
+            <a:p>
+              <a:pPr algn="ctr"/>
+              <a:endParaRPr lang="zh-TW" altLang="en-US"/>
+            </a:p>
+          </p:txBody>
+        </p:sp>
+      </p:grpSp>
+      <p:grpSp>
+        <p:nvGrpSpPr>
+          <p:cNvPr id="15" name="群組 14"/>
+          <p:cNvGrpSpPr/>
+          <p:nvPr/>
+        </p:nvGrpSpPr>
+        <p:grpSpPr>
+          <a:xfrm>
+            <a:off x="8845570" y="3274967"/>
+            <a:ext cx="732341" cy="1121634"/>
+            <a:chOff x="8876577" y="5069322"/>
+            <a:chExt cx="732341" cy="1121634"/>
+          </a:xfrm>
+        </p:grpSpPr>
+        <p:sp>
+          <p:nvSpPr>
+            <p:cNvPr id="16" name="立方體 15"/>
+            <p:cNvSpPr/>
+            <p:nvPr/>
+          </p:nvSpPr>
+          <p:spPr>
+            <a:xfrm>
+              <a:off x="8876577" y="5069322"/>
+              <a:ext cx="732341" cy="1121634"/>
+            </a:xfrm>
+            <a:prstGeom prst="cube">
+              <a:avLst/>
+            </a:prstGeom>
+          </p:spPr>
+          <p:style>
+            <a:lnRef idx="2">
+              <a:schemeClr val="dk1"/>
+            </a:lnRef>
+            <a:fillRef idx="1">
+              <a:schemeClr val="lt1"/>
+            </a:fillRef>
+            <a:effectRef idx="0">
+              <a:schemeClr val="dk1"/>
+            </a:effectRef>
+            <a:fontRef idx="minor">
+              <a:schemeClr val="dk1"/>
+            </a:fontRef>
+          </p:style>
+          <p:txBody>
+            <a:bodyPr rtlCol="0" anchor="ctr"/>
+            <a:lstStyle/>
+            <a:p>
+              <a:pPr algn="ctr"/>
+              <a:endParaRPr lang="zh-TW" altLang="en-US"/>
+            </a:p>
+          </p:txBody>
+        </p:sp>
+        <p:sp>
+          <p:nvSpPr>
+            <p:cNvPr id="17" name="橢圓 16"/>
+            <p:cNvSpPr/>
+            <p:nvPr/>
+          </p:nvSpPr>
+          <p:spPr>
+            <a:xfrm>
+              <a:off x="9089050" y="5951914"/>
+              <a:ext cx="108012" cy="81664"/>
+            </a:xfrm>
+            <a:prstGeom prst="ellipse">
+              <a:avLst/>
+            </a:prstGeom>
+          </p:spPr>
+          <p:style>
+            <a:lnRef idx="2">
+              <a:schemeClr val="dk1"/>
+            </a:lnRef>
+            <a:fillRef idx="1">
+              <a:schemeClr val="lt1"/>
+            </a:fillRef>
+            <a:effectRef idx="0">
+              <a:schemeClr val="dk1"/>
+            </a:effectRef>
+            <a:fontRef idx="minor">
+              <a:schemeClr val="dk1"/>
+            </a:fontRef>
+          </p:style>
+          <p:txBody>
+            <a:bodyPr rtlCol="0" anchor="ctr"/>
+            <a:lstStyle/>
+            <a:p>
+              <a:pPr algn="ctr"/>
+              <a:endParaRPr lang="zh-TW" altLang="en-US"/>
+            </a:p>
+          </p:txBody>
+        </p:sp>
+        <p:sp>
+          <p:nvSpPr>
+            <p:cNvPr id="18" name="矩形 17"/>
+            <p:cNvSpPr/>
+            <p:nvPr/>
+          </p:nvSpPr>
+          <p:spPr>
+            <a:xfrm>
+              <a:off x="8967788" y="5399876"/>
+              <a:ext cx="347662" cy="49339"/>
+            </a:xfrm>
+            <a:prstGeom prst="rect">
+              <a:avLst/>
+            </a:prstGeom>
+          </p:spPr>
+          <p:style>
+            <a:lnRef idx="2">
+              <a:schemeClr val="dk1"/>
+            </a:lnRef>
+            <a:fillRef idx="1">
+              <a:schemeClr val="lt1"/>
+            </a:fillRef>
+            <a:effectRef idx="0">
+              <a:schemeClr val="dk1"/>
+            </a:effectRef>
+            <a:fontRef idx="minor">
+              <a:schemeClr val="dk1"/>
+            </a:fontRef>
+          </p:style>
+          <p:txBody>
+            <a:bodyPr rtlCol="0" anchor="ctr"/>
+            <a:lstStyle/>
+            <a:p>
+              <a:pPr algn="ctr"/>
+              <a:endParaRPr lang="zh-TW" altLang="en-US"/>
+            </a:p>
+          </p:txBody>
+        </p:sp>
+      </p:grpSp>
+      <p:sp>
+        <p:nvSpPr>
+          <p:cNvPr id="19" name="流程圖: 磁碟 18"/>
+          <p:cNvSpPr/>
+          <p:nvPr/>
+        </p:nvSpPr>
+        <p:spPr>
+          <a:xfrm>
+            <a:off x="10468027" y="3322485"/>
+            <a:ext cx="738188" cy="1026597"/>
+          </a:xfrm>
+          <a:prstGeom prst="flowChartMagneticDisk">
+            <a:avLst/>
+          </a:prstGeom>
+        </p:spPr>
+        <p:style>
+          <a:lnRef idx="2">
+            <a:schemeClr val="dk1"/>
+          </a:lnRef>
+          <a:fillRef idx="1">
+            <a:schemeClr val="lt1"/>
+          </a:fillRef>
+          <a:effectRef idx="0">
+            <a:schemeClr val="dk1"/>
+          </a:effectRef>
+          <a:fontRef idx="minor">
+            <a:schemeClr val="dk1"/>
+          </a:fontRef>
+        </p:style>
+        <p:txBody>
+          <a:bodyPr rtlCol="0" anchor="ctr"/>
+          <a:lstStyle/>
+          <a:p>
+            <a:pPr algn="ctr"/>
+            <a:endParaRPr lang="zh-TW" altLang="en-US"/>
+          </a:p>
+        </p:txBody>
+      </p:sp>
+      <p:cxnSp>
+        <p:nvCxnSpPr>
+          <p:cNvPr id="20" name="直線單箭頭接點 19"/>
+          <p:cNvCxnSpPr/>
+          <p:nvPr/>
+        </p:nvCxnSpPr>
+        <p:spPr>
+          <a:xfrm>
+            <a:off x="9613732" y="3654860"/>
+            <a:ext cx="818474" cy="0"/>
+          </a:xfrm>
+          <a:prstGeom prst="straightConnector1">
+            <a:avLst/>
+          </a:prstGeom>
+          <a:ln w="19050">
+            <a:solidFill>
+              <a:schemeClr val="tx1"/>
+            </a:solidFill>
+            <a:headEnd type="none" w="med" len="med"/>
+            <a:tailEnd type="arrow" w="med" len="med"/>
+          </a:ln>
+        </p:spPr>
+        <p:style>
+          <a:lnRef idx="1">
+            <a:schemeClr val="accent1"/>
+          </a:lnRef>
+          <a:fillRef idx="0">
+            <a:schemeClr val="accent1"/>
+          </a:fillRef>
+          <a:effectRef idx="0">
+            <a:schemeClr val="accent1"/>
+          </a:effectRef>
+          <a:fontRef idx="minor">
+            <a:schemeClr val="tx1"/>
+          </a:fontRef>
+        </p:style>
+      </p:cxnSp>
+      <p:cxnSp>
+        <p:nvCxnSpPr>
+          <p:cNvPr id="21" name="直線單箭頭接點 20"/>
+          <p:cNvCxnSpPr/>
+          <p:nvPr/>
+        </p:nvCxnSpPr>
+        <p:spPr>
+          <a:xfrm flipH="1">
+            <a:off x="9632036" y="3977121"/>
+            <a:ext cx="781866" cy="0"/>
+          </a:xfrm>
+          <a:prstGeom prst="straightConnector1">
+            <a:avLst/>
+          </a:prstGeom>
+          <a:ln w="19050">
+            <a:solidFill>
+              <a:schemeClr val="tx1"/>
+            </a:solidFill>
+            <a:headEnd type="none" w="med" len="med"/>
+            <a:tailEnd type="arrow" w="med" len="med"/>
+          </a:ln>
+        </p:spPr>
+        <p:style>
+          <a:lnRef idx="1">
+            <a:schemeClr val="accent1"/>
+          </a:lnRef>
+          <a:fillRef idx="0">
+            <a:schemeClr val="accent1"/>
+          </a:fillRef>
+          <a:effectRef idx="0">
+            <a:schemeClr val="accent1"/>
+          </a:effectRef>
+          <a:fontRef idx="minor">
+            <a:schemeClr val="tx1"/>
+          </a:fontRef>
+        </p:style>
+      </p:cxnSp>
+      <p:cxnSp>
+        <p:nvCxnSpPr>
+          <p:cNvPr id="22" name="直線單箭頭接點 21"/>
+          <p:cNvCxnSpPr/>
+          <p:nvPr/>
+        </p:nvCxnSpPr>
+        <p:spPr>
+          <a:xfrm>
+            <a:off x="1144067" y="3630190"/>
+            <a:ext cx="818474" cy="0"/>
+          </a:xfrm>
+          <a:prstGeom prst="straightConnector1">
+            <a:avLst/>
+          </a:prstGeom>
+          <a:ln w="19050">
+            <a:solidFill>
+              <a:schemeClr val="tx1"/>
+            </a:solidFill>
+            <a:headEnd type="none" w="med" len="med"/>
+            <a:tailEnd type="arrow" w="med" len="med"/>
+          </a:ln>
+        </p:spPr>
+        <p:style>
+          <a:lnRef idx="1">
+            <a:schemeClr val="accent1"/>
+          </a:lnRef>
+          <a:fillRef idx="0">
+            <a:schemeClr val="accent1"/>
+          </a:fillRef>
+          <a:effectRef idx="0">
+            <a:schemeClr val="accent1"/>
+          </a:effectRef>
+          <a:fontRef idx="minor">
+            <a:schemeClr val="tx1"/>
+          </a:fontRef>
+        </p:style>
+      </p:cxnSp>
+      <p:cxnSp>
+        <p:nvCxnSpPr>
+          <p:cNvPr id="23" name="直線單箭頭接點 22"/>
+          <p:cNvCxnSpPr/>
+          <p:nvPr/>
+        </p:nvCxnSpPr>
+        <p:spPr>
+          <a:xfrm flipH="1">
+            <a:off x="1162371" y="3846610"/>
+            <a:ext cx="781866" cy="0"/>
+          </a:xfrm>
+          <a:prstGeom prst="straightConnector1">
+            <a:avLst/>
+          </a:prstGeom>
+          <a:ln w="19050">
+            <a:solidFill>
+              <a:schemeClr val="tx1"/>
+            </a:solidFill>
+            <a:headEnd type="none" w="med" len="med"/>
+            <a:tailEnd type="arrow" w="med" len="med"/>
+          </a:ln>
+        </p:spPr>
+        <p:style>
+          <a:lnRef idx="1">
+            <a:schemeClr val="accent1"/>
+          </a:lnRef>
+          <a:fillRef idx="0">
+            <a:schemeClr val="accent1"/>
+          </a:fillRef>
+          <a:effectRef idx="0">
+            <a:schemeClr val="accent1"/>
+          </a:effectRef>
+          <a:fontRef idx="minor">
+            <a:schemeClr val="tx1"/>
+          </a:fontRef>
+        </p:style>
+      </p:cxnSp>
+      <p:sp>
+        <p:nvSpPr>
+          <p:cNvPr id="24" name="向上箭號 23"/>
+          <p:cNvSpPr/>
+          <p:nvPr/>
+        </p:nvSpPr>
+        <p:spPr>
+          <a:xfrm>
+            <a:off x="2344588" y="4198391"/>
+            <a:ext cx="398033" cy="726506"/>
+          </a:xfrm>
+          <a:prstGeom prst="upArrow">
+            <a:avLst/>
+          </a:prstGeom>
+        </p:spPr>
+        <p:style>
+          <a:lnRef idx="2">
+            <a:schemeClr val="accent6">
+              <a:shade val="50000"/>
+            </a:schemeClr>
+          </a:lnRef>
+          <a:fillRef idx="1">
+            <a:schemeClr val="accent6"/>
+          </a:fillRef>
+          <a:effectRef idx="0">
+            <a:schemeClr val="accent6"/>
+          </a:effectRef>
+          <a:fontRef idx="minor">
+            <a:schemeClr val="lt1"/>
+          </a:fontRef>
+        </p:style>
+        <p:txBody>
+          <a:bodyPr rtlCol="0" anchor="ctr"/>
+          <a:lstStyle/>
+          <a:p>
+            <a:pPr algn="ctr"/>
+            <a:endParaRPr lang="zh-TW" altLang="en-US"/>
+          </a:p>
+        </p:txBody>
+      </p:sp>
+      <p:sp>
+        <p:nvSpPr>
+          <p:cNvPr id="25" name="矩形 24"/>
+          <p:cNvSpPr/>
+          <p:nvPr/>
+        </p:nvSpPr>
+        <p:spPr>
+          <a:xfrm>
+            <a:off x="1189153" y="4924897"/>
+            <a:ext cx="2773965" cy="400110"/>
+          </a:xfrm>
+          <a:prstGeom prst="rect">
+            <a:avLst/>
+          </a:prstGeom>
+        </p:spPr>
+        <p:txBody>
+          <a:bodyPr wrap="none">
+            <a:spAutoFit/>
+          </a:bodyPr>
+          <a:lstStyle/>
+          <a:p>
+            <a:r>
+              <a:rPr lang="en-US" altLang="zh-TW" sz="2000" dirty="0" smtClean="0"/>
+              <a:t>HTML</a:t>
+            </a:r>
+            <a:r>
+              <a:rPr lang="zh-TW" altLang="en-US" sz="2000" dirty="0" smtClean="0"/>
+              <a:t>、</a:t>
+            </a:r>
+            <a:r>
+              <a:rPr lang="en-US" altLang="zh-TW" sz="2000" dirty="0" smtClean="0"/>
+              <a:t>CSS</a:t>
+            </a:r>
+            <a:r>
+              <a:rPr lang="zh-TW" altLang="en-US" sz="2000" dirty="0" smtClean="0"/>
+              <a:t>、</a:t>
+            </a:r>
+            <a:r>
+              <a:rPr lang="en-US" altLang="zh-TW" sz="2000" dirty="0"/>
+              <a:t> JavaScript</a:t>
+            </a:r>
+            <a:endParaRPr lang="zh-TW" altLang="en-US" sz="2000" dirty="0"/>
+          </a:p>
+        </p:txBody>
+      </p:sp>
+      <p:sp>
+        <p:nvSpPr>
+          <p:cNvPr id="26" name="向上箭號 25"/>
+          <p:cNvSpPr/>
+          <p:nvPr/>
+        </p:nvSpPr>
+        <p:spPr>
+          <a:xfrm>
+            <a:off x="8997748" y="4412523"/>
+            <a:ext cx="398033" cy="647817"/>
+          </a:xfrm>
+          <a:prstGeom prst="upArrow">
+            <a:avLst/>
+          </a:prstGeom>
+        </p:spPr>
+        <p:style>
+          <a:lnRef idx="2">
+            <a:schemeClr val="accent6">
+              <a:shade val="50000"/>
+            </a:schemeClr>
+          </a:lnRef>
+          <a:fillRef idx="1">
+            <a:schemeClr val="accent6"/>
+          </a:fillRef>
+          <a:effectRef idx="0">
+            <a:schemeClr val="accent6"/>
+          </a:effectRef>
+          <a:fontRef idx="minor">
+            <a:schemeClr val="lt1"/>
+          </a:fontRef>
+        </p:style>
+        <p:txBody>
+          <a:bodyPr rtlCol="0" anchor="ctr"/>
+          <a:lstStyle/>
+          <a:p>
+            <a:pPr algn="ctr"/>
+            <a:endParaRPr lang="zh-TW" altLang="en-US"/>
+          </a:p>
+        </p:txBody>
+      </p:sp>
+      <p:sp>
+        <p:nvSpPr>
+          <p:cNvPr id="27" name="矩形 26"/>
+          <p:cNvSpPr/>
+          <p:nvPr/>
+        </p:nvSpPr>
+        <p:spPr>
+          <a:xfrm>
+            <a:off x="7602514" y="5070429"/>
+            <a:ext cx="2898742" cy="400110"/>
+          </a:xfrm>
+          <a:prstGeom prst="rect">
+            <a:avLst/>
+          </a:prstGeom>
+        </p:spPr>
+        <p:txBody>
+          <a:bodyPr wrap="none">
+            <a:spAutoFit/>
+          </a:bodyPr>
+          <a:lstStyle/>
+          <a:p>
+            <a:r>
+              <a:rPr lang="en-US" altLang="zh-TW" sz="2000" dirty="0" smtClean="0"/>
+              <a:t>AP(Asp.net</a:t>
+            </a:r>
+            <a:r>
+              <a:rPr lang="zh-TW" altLang="en-US" sz="2000" dirty="0" smtClean="0"/>
+              <a:t> </a:t>
+            </a:r>
+            <a:r>
+              <a:rPr lang="en-US" altLang="zh-TW" sz="2000" dirty="0"/>
+              <a:t>Web Form)</a:t>
+            </a:r>
+            <a:r>
+              <a:rPr lang="zh-TW" altLang="en-US" sz="2000" dirty="0"/>
+              <a:t> </a:t>
+            </a:r>
+          </a:p>
+        </p:txBody>
+      </p:sp>
+      <p:sp>
+        <p:nvSpPr>
+          <p:cNvPr id="28" name="向上箭號 27"/>
+          <p:cNvSpPr/>
+          <p:nvPr/>
+        </p:nvSpPr>
+        <p:spPr>
+          <a:xfrm>
+            <a:off x="10678316" y="4414597"/>
+            <a:ext cx="398033" cy="647817"/>
+          </a:xfrm>
+          <a:prstGeom prst="upArrow">
+            <a:avLst/>
+          </a:prstGeom>
+        </p:spPr>
+        <p:style>
+          <a:lnRef idx="2">
+            <a:schemeClr val="accent6">
+              <a:shade val="50000"/>
+            </a:schemeClr>
+          </a:lnRef>
+          <a:fillRef idx="1">
+            <a:schemeClr val="accent6"/>
+          </a:fillRef>
+          <a:effectRef idx="0">
+            <a:schemeClr val="accent6"/>
+          </a:effectRef>
+          <a:fontRef idx="minor">
+            <a:schemeClr val="lt1"/>
+          </a:fontRef>
+        </p:style>
+        <p:txBody>
+          <a:bodyPr rtlCol="0" anchor="ctr"/>
+          <a:lstStyle/>
+          <a:p>
+            <a:pPr algn="ctr"/>
+            <a:endParaRPr lang="zh-TW" altLang="en-US"/>
+          </a:p>
+        </p:txBody>
+      </p:sp>
+      <p:sp>
+        <p:nvSpPr>
+          <p:cNvPr id="29" name="矩形 28"/>
+          <p:cNvSpPr/>
+          <p:nvPr/>
+        </p:nvSpPr>
+        <p:spPr>
+          <a:xfrm>
+            <a:off x="10452072" y="5060340"/>
+            <a:ext cx="1511952" cy="400110"/>
+          </a:xfrm>
+          <a:prstGeom prst="rect">
+            <a:avLst/>
+          </a:prstGeom>
+        </p:spPr>
+        <p:txBody>
+          <a:bodyPr wrap="none">
+            <a:spAutoFit/>
+          </a:bodyPr>
+          <a:lstStyle/>
+          <a:p>
+            <a:r>
+              <a:rPr lang="en-US" altLang="zh-TW" sz="2000" dirty="0"/>
+              <a:t>DB</a:t>
+            </a:r>
+            <a:r>
+              <a:rPr lang="zh-TW" altLang="en-US" sz="2000" dirty="0"/>
+              <a:t> </a:t>
+            </a:r>
+            <a:r>
+              <a:rPr lang="en-US" altLang="zh-TW" sz="2000" dirty="0"/>
+              <a:t>(MS-SQL)</a:t>
+            </a:r>
+            <a:endParaRPr lang="zh-TW" altLang="en-US" sz="2000" dirty="0"/>
           </a:p>
         </p:txBody>
       </p:sp>
@@ -7087,8 +8165,16 @@
           <a:lstStyle/>
           <a:p>
             <a:r>
+              <a:rPr lang="en-US" altLang="zh-TW" dirty="0"/>
+              <a:t>Web</a:t>
+            </a:r>
+            <a:r>
+              <a:rPr lang="zh-TW" altLang="en-US" dirty="0"/>
+              <a:t> </a:t>
+            </a:r>
+            <a:r>
               <a:rPr lang="zh-TW" altLang="en-US" dirty="0" smtClean="0"/>
-              <a:t>練習整合練習</a:t>
+              <a:t>控制項與伺服器端資料處理練習</a:t>
             </a:r>
             <a:endParaRPr lang="zh-TW" altLang="en-US" dirty="0"/>
           </a:p>
@@ -7110,19 +8196,27 @@
           <a:lstStyle/>
           <a:p>
             <a:r>
+              <a:rPr lang="zh-TW" altLang="en-US" dirty="0" smtClean="0"/>
+              <a:t>兩數字計算</a:t>
+            </a:r>
+            <a:endParaRPr lang="en-US" altLang="zh-TW" dirty="0" smtClean="0"/>
+          </a:p>
+          <a:p>
+            <a:pPr lvl="1"/>
+            <a:r>
               <a:rPr lang="zh-TW" altLang="en-US" dirty="0"/>
-              <a:t>數字相加計算</a:t>
+              <a:t>可是小數</a:t>
             </a:r>
             <a:endParaRPr lang="en-US" altLang="zh-TW" dirty="0" smtClean="0"/>
           </a:p>
           <a:p>
+            <a:pPr lvl="1"/>
+            <a:endParaRPr lang="en-US" altLang="zh-TW" dirty="0" smtClean="0"/>
+          </a:p>
+          <a:p>
             <a:r>
               <a:rPr lang="zh-TW" altLang="en-US" dirty="0" smtClean="0"/>
-              <a:t>收集</a:t>
-            </a:r>
-            <a:r>
-              <a:rPr lang="zh-TW" altLang="en-US" dirty="0" smtClean="0"/>
-              <a:t>基本資料</a:t>
+              <a:t>收集基本資料</a:t>
             </a:r>
             <a:endParaRPr lang="zh-TW" altLang="en-US" dirty="0"/>
           </a:p>
@@ -8129,11 +9223,7 @@
             </a:r>
             <a:r>
               <a:rPr lang="en-US" altLang="zh-TW" dirty="0" smtClean="0"/>
-              <a:t> </a:t>
-            </a:r>
-            <a:r>
-              <a:rPr lang="en-US" altLang="zh-TW" dirty="0" smtClean="0"/>
-              <a:t>text</a:t>
+              <a:t> text</a:t>
             </a:r>
             <a:r>
               <a:rPr lang="zh-TW" altLang="en-US" dirty="0" smtClean="0"/>
@@ -9683,48 +10773,46 @@
           <a:lstStyle/>
           <a:p>
             <a:r>
-              <a:rPr lang="zh-TW" altLang="en-US" dirty="0" smtClean="0"/>
-              <a:t>練習</a:t>
-            </a:r>
-            <a:r>
-              <a:rPr lang="zh-TW" altLang="en-US" dirty="0"/>
-              <a:t>每個</a:t>
-            </a:r>
-            <a:r>
-              <a:rPr lang="zh-TW" altLang="en-US" dirty="0" smtClean="0"/>
-              <a:t>逐一測試</a:t>
-            </a:r>
-            <a:endParaRPr lang="zh-TW" altLang="en-US" dirty="0"/>
-          </a:p>
-        </p:txBody>
-      </p:sp>
-      <p:sp>
-        <p:nvSpPr>
-          <p:cNvPr id="3" name="內容版面配置區 2"/>
-          <p:cNvSpPr>
-            <a:spLocks noGrp="1"/>
-          </p:cNvSpPr>
-          <p:nvPr>
-            <p:ph idx="1"/>
-          </p:nvPr>
-        </p:nvSpPr>
-        <p:spPr/>
-        <p:txBody>
-          <a:bodyPr/>
-          <a:lstStyle/>
-          <a:p>
-            <a:r>
               <a:rPr lang="en-US" altLang="zh-TW" dirty="0" err="1" smtClean="0"/>
               <a:t>TextBox</a:t>
             </a:r>
             <a:r>
-              <a:rPr lang="zh-TW" altLang="en-US" dirty="0"/>
-              <a:t> </a:t>
-            </a:r>
+              <a:rPr lang="zh-TW" altLang="en-US" dirty="0" smtClean="0"/>
+              <a:t>常用屬性</a:t>
+            </a:r>
+            <a:endParaRPr lang="zh-TW" altLang="en-US" dirty="0"/>
+          </a:p>
+        </p:txBody>
+      </p:sp>
+      <p:sp>
+        <p:nvSpPr>
+          <p:cNvPr id="3" name="內容版面配置區 2"/>
+          <p:cNvSpPr>
+            <a:spLocks noGrp="1"/>
+          </p:cNvSpPr>
+          <p:nvPr>
+            <p:ph idx="1"/>
+          </p:nvPr>
+        </p:nvSpPr>
+        <p:spPr/>
+        <p:txBody>
+          <a:bodyPr/>
+          <a:lstStyle/>
+          <a:p>
+            <a:r>
+              <a:rPr lang="en-US" altLang="zh-TW" dirty="0" smtClean="0"/>
+              <a:t>Text</a:t>
+            </a:r>
+          </a:p>
+          <a:p>
             <a:r>
               <a:rPr lang="en-US" altLang="zh-TW" dirty="0" err="1" smtClean="0"/>
               <a:t>TextMode</a:t>
             </a:r>
+            <a:r>
+              <a:rPr lang="zh-TW" altLang="en-US" dirty="0" smtClean="0"/>
+              <a:t> </a:t>
+            </a:r>
             <a:endParaRPr lang="en-US" altLang="zh-TW" dirty="0" smtClean="0"/>
           </a:p>
           <a:p>
@@ -9774,9 +10862,11 @@
           <a:p>
             <a:pPr lvl="1"/>
             <a:r>
-              <a:rPr lang="en-US" altLang="zh-TW" dirty="0"/>
+              <a:rPr lang="en-US" altLang="zh-TW" dirty="0" smtClean="0"/>
               <a:t>Color</a:t>
             </a:r>
+          </a:p>
+          <a:p>
             <a:endParaRPr lang="en-US" altLang="zh-TW" dirty="0" smtClean="0"/>
           </a:p>
         </p:txBody>
@@ -9839,16 +10929,24 @@
           <a:lstStyle/>
           <a:p>
             <a:r>
+              <a:rPr lang="zh-TW" altLang="en-US" dirty="0"/>
+              <a:t>常用</a:t>
+            </a:r>
+            <a:r>
               <a:rPr lang="zh-TW" altLang="en-US" dirty="0" smtClean="0"/>
-              <a:t>練習</a:t>
+              <a:t>的</a:t>
+            </a:r>
+            <a:r>
+              <a:rPr lang="en-US" altLang="zh-TW" dirty="0" smtClean="0"/>
+              <a:t>Button</a:t>
+            </a:r>
+            <a:r>
+              <a:rPr lang="zh-TW" altLang="en-US" dirty="0" smtClean="0"/>
+              <a:t>與常用</a:t>
             </a:r>
             <a:r>
               <a:rPr lang="zh-TW" altLang="en-US" dirty="0"/>
-              <a:t>每個</a:t>
-            </a:r>
-            <a:r>
-              <a:rPr lang="zh-TW" altLang="en-US" dirty="0" smtClean="0"/>
-              <a:t>逐一測試</a:t>
+              <a:t>屬性</a:t>
             </a:r>
             <a:endParaRPr lang="zh-TW" altLang="en-US" dirty="0"/>
           </a:p>
@@ -9876,6 +10974,14 @@
             <a:endParaRPr lang="en-US" altLang="zh-TW" dirty="0" smtClean="0"/>
           </a:p>
           <a:p>
+            <a:pPr lvl="1"/>
+            <a:r>
+              <a:rPr lang="en-US" altLang="zh-TW" dirty="0"/>
+              <a:t>Text</a:t>
+            </a:r>
+            <a:endParaRPr lang="en-US" altLang="zh-TW" dirty="0" smtClean="0"/>
+          </a:p>
+          <a:p>
             <a:r>
               <a:rPr lang="en-US" altLang="zh-TW" dirty="0" err="1" smtClean="0"/>
               <a:t>ImageButton</a:t>
@@ -9883,9 +10989,25 @@
             <a:endParaRPr lang="en-US" altLang="zh-TW" dirty="0" smtClean="0"/>
           </a:p>
           <a:p>
+            <a:pPr lvl="1"/>
             <a:r>
               <a:rPr lang="en-US" altLang="zh-TW" dirty="0" err="1"/>
+              <a:t>ImageUrl</a:t>
+            </a:r>
+            <a:endParaRPr lang="en-US" altLang="zh-TW" dirty="0" smtClean="0"/>
+          </a:p>
+          <a:p>
+            <a:r>
+              <a:rPr lang="en-US" altLang="zh-TW" dirty="0" err="1" smtClean="0"/>
               <a:t>LinkButton</a:t>
+            </a:r>
+            <a:endParaRPr lang="en-US" altLang="zh-TW" dirty="0" smtClean="0"/>
+          </a:p>
+          <a:p>
+            <a:pPr lvl="1"/>
+            <a:r>
+              <a:rPr lang="en-US" altLang="zh-TW" dirty="0" err="1"/>
+              <a:t>PostBackUrl</a:t>
             </a:r>
             <a:endParaRPr lang="en-US" altLang="zh-TW" dirty="0" smtClean="0"/>
           </a:p>
@@ -9949,54 +11071,99 @@
           <a:lstStyle/>
           <a:p>
             <a:r>
+              <a:rPr lang="en-US" altLang="zh-TW" dirty="0" err="1" smtClean="0"/>
+              <a:t>CheckBox</a:t>
+            </a:r>
+            <a:r>
               <a:rPr lang="zh-TW" altLang="en-US" dirty="0" smtClean="0"/>
-              <a:t>練習</a:t>
+              <a:t>與</a:t>
+            </a:r>
+            <a:r>
+              <a:rPr lang="en-US" altLang="zh-TW" dirty="0" err="1" smtClean="0"/>
+              <a:t>RadioButton</a:t>
             </a:r>
             <a:r>
               <a:rPr lang="zh-TW" altLang="en-US" dirty="0"/>
-              <a:t>每個</a:t>
-            </a:r>
-            <a:r>
-              <a:rPr lang="zh-TW" altLang="en-US" dirty="0" smtClean="0"/>
-              <a:t>逐一測試</a:t>
-            </a:r>
+              <a:t>常用屬性</a:t>
+            </a:r>
+            <a:endParaRPr lang="en-US" altLang="zh-TW" dirty="0"/>
+          </a:p>
+        </p:txBody>
+      </p:sp>
+      <p:sp>
+        <p:nvSpPr>
+          <p:cNvPr id="3" name="內容版面配置區 2"/>
+          <p:cNvSpPr>
+            <a:spLocks noGrp="1"/>
+          </p:cNvSpPr>
+          <p:nvPr>
+            <p:ph idx="1"/>
+          </p:nvPr>
+        </p:nvSpPr>
+        <p:spPr/>
+        <p:txBody>
+          <a:bodyPr/>
+          <a:lstStyle/>
+          <a:p>
+            <a:r>
+              <a:rPr lang="en-US" altLang="zh-TW" dirty="0" err="1" smtClean="0"/>
+              <a:t>CheckBox</a:t>
+            </a:r>
+            <a:endParaRPr lang="en-US" altLang="zh-TW" dirty="0" smtClean="0"/>
+          </a:p>
+          <a:p>
+            <a:pPr lvl="1"/>
+            <a:r>
+              <a:rPr lang="en-US" altLang="zh-TW" dirty="0" smtClean="0"/>
+              <a:t>Text</a:t>
+            </a:r>
+          </a:p>
+          <a:p>
+            <a:pPr lvl="1"/>
+            <a:r>
+              <a:rPr lang="en-US" altLang="zh-TW" dirty="0" smtClean="0"/>
+              <a:t>Checked</a:t>
+            </a:r>
+            <a:endParaRPr lang="en-US" altLang="zh-TW" dirty="0" smtClean="0"/>
+          </a:p>
+          <a:p>
+            <a:r>
+              <a:rPr lang="en-US" altLang="zh-TW" dirty="0" err="1" smtClean="0"/>
+              <a:t>RadioButton</a:t>
+            </a:r>
+            <a:endParaRPr lang="en-US" altLang="zh-TW" dirty="0" smtClean="0"/>
+          </a:p>
+          <a:p>
+            <a:pPr lvl="1"/>
+            <a:r>
+              <a:rPr lang="en-US" altLang="zh-TW" dirty="0"/>
+              <a:t>Text</a:t>
+            </a:r>
+          </a:p>
+          <a:p>
+            <a:pPr lvl="1"/>
+            <a:r>
+              <a:rPr lang="en-US" altLang="zh-TW" dirty="0"/>
+              <a:t>Checked</a:t>
+            </a:r>
+          </a:p>
+          <a:p>
+            <a:pPr lvl="1"/>
+            <a:r>
+              <a:rPr lang="en-US" altLang="zh-TW" dirty="0" err="1"/>
+              <a:t>GroupName</a:t>
+            </a:r>
+            <a:endParaRPr lang="en-US" altLang="zh-TW" dirty="0" smtClean="0"/>
+          </a:p>
+          <a:p>
             <a:endParaRPr lang="zh-TW" altLang="en-US" dirty="0"/>
-          </a:p>
-        </p:txBody>
-      </p:sp>
-      <p:sp>
-        <p:nvSpPr>
-          <p:cNvPr id="3" name="內容版面配置區 2"/>
-          <p:cNvSpPr>
-            <a:spLocks noGrp="1"/>
-          </p:cNvSpPr>
-          <p:nvPr>
-            <p:ph idx="1"/>
-          </p:nvPr>
-        </p:nvSpPr>
-        <p:spPr/>
-        <p:txBody>
-          <a:bodyPr/>
-          <a:lstStyle/>
-          <a:p>
-            <a:r>
-              <a:rPr lang="en-US" altLang="zh-TW" dirty="0"/>
-              <a:t>Label </a:t>
-            </a:r>
-            <a:endParaRPr lang="en-US" altLang="zh-TW" dirty="0" smtClean="0"/>
-          </a:p>
-          <a:p>
-            <a:r>
-              <a:rPr lang="en-US" altLang="zh-TW" dirty="0" smtClean="0"/>
-              <a:t>Literal</a:t>
-            </a:r>
           </a:p>
         </p:txBody>
       </p:sp>
     </p:spTree>
     <p:extLst>
       <p:ext uri="{BB962C8B-B14F-4D97-AF65-F5344CB8AC3E}">
-        <p14:creationId xmlns:p14="http://schemas.microsoft.com/office/powerpoint/2010/main" val="3324135888"/>
+        <p14:creationId xmlns:p14="http://schemas.microsoft.com/office/powerpoint/2010/main" val="468682856"/>
       </p:ext>
     </p:extLst>
   </p:cSld>
